--- a/badges.pptx
+++ b/badges.pptx
@@ -105,6 +105,11 @@
       </a:defRPr>
     </a:lvl9pPr>
   </p:defaultTextStyle>
+  <p:extLst>
+    <p:ext uri="{EFAFB233-063F-42B5-8137-9DF3F51BA10A}">
+      <p15:sldGuideLst xmlns:p15="http://schemas.microsoft.com/office/powerpoint/2012/main"/>
+    </p:ext>
+  </p:extLst>
 </p:presentation>
 </file>
 
@@ -255,7 +260,7 @@
           <a:p>
             <a:fld id="{EAA9E3AB-16D3-41ED-892E-BBA56A44D35C}" type="datetimeFigureOut">
               <a:rPr lang="en-US" smtClean="0"/>
-              <a:t>7/2/2022</a:t>
+              <a:t>7/3/2022</a:t>
             </a:fld>
             <a:endParaRPr lang="en-US"/>
           </a:p>
@@ -453,7 +458,7 @@
           <a:p>
             <a:fld id="{EAA9E3AB-16D3-41ED-892E-BBA56A44D35C}" type="datetimeFigureOut">
               <a:rPr lang="en-US" smtClean="0"/>
-              <a:t>7/2/2022</a:t>
+              <a:t>7/3/2022</a:t>
             </a:fld>
             <a:endParaRPr lang="en-US"/>
           </a:p>
@@ -661,7 +666,7 @@
           <a:p>
             <a:fld id="{EAA9E3AB-16D3-41ED-892E-BBA56A44D35C}" type="datetimeFigureOut">
               <a:rPr lang="en-US" smtClean="0"/>
-              <a:t>7/2/2022</a:t>
+              <a:t>7/3/2022</a:t>
             </a:fld>
             <a:endParaRPr lang="en-US"/>
           </a:p>
@@ -859,7 +864,7 @@
           <a:p>
             <a:fld id="{EAA9E3AB-16D3-41ED-892E-BBA56A44D35C}" type="datetimeFigureOut">
               <a:rPr lang="en-US" smtClean="0"/>
-              <a:t>7/2/2022</a:t>
+              <a:t>7/3/2022</a:t>
             </a:fld>
             <a:endParaRPr lang="en-US"/>
           </a:p>
@@ -1134,7 +1139,7 @@
           <a:p>
             <a:fld id="{EAA9E3AB-16D3-41ED-892E-BBA56A44D35C}" type="datetimeFigureOut">
               <a:rPr lang="en-US" smtClean="0"/>
-              <a:t>7/2/2022</a:t>
+              <a:t>7/3/2022</a:t>
             </a:fld>
             <a:endParaRPr lang="en-US"/>
           </a:p>
@@ -1399,7 +1404,7 @@
           <a:p>
             <a:fld id="{EAA9E3AB-16D3-41ED-892E-BBA56A44D35C}" type="datetimeFigureOut">
               <a:rPr lang="en-US" smtClean="0"/>
-              <a:t>7/2/2022</a:t>
+              <a:t>7/3/2022</a:t>
             </a:fld>
             <a:endParaRPr lang="en-US"/>
           </a:p>
@@ -1811,7 +1816,7 @@
           <a:p>
             <a:fld id="{EAA9E3AB-16D3-41ED-892E-BBA56A44D35C}" type="datetimeFigureOut">
               <a:rPr lang="en-US" smtClean="0"/>
-              <a:t>7/2/2022</a:t>
+              <a:t>7/3/2022</a:t>
             </a:fld>
             <a:endParaRPr lang="en-US"/>
           </a:p>
@@ -1952,7 +1957,7 @@
           <a:p>
             <a:fld id="{EAA9E3AB-16D3-41ED-892E-BBA56A44D35C}" type="datetimeFigureOut">
               <a:rPr lang="en-US" smtClean="0"/>
-              <a:t>7/2/2022</a:t>
+              <a:t>7/3/2022</a:t>
             </a:fld>
             <a:endParaRPr lang="en-US"/>
           </a:p>
@@ -2065,7 +2070,7 @@
           <a:p>
             <a:fld id="{EAA9E3AB-16D3-41ED-892E-BBA56A44D35C}" type="datetimeFigureOut">
               <a:rPr lang="en-US" smtClean="0"/>
-              <a:t>7/2/2022</a:t>
+              <a:t>7/3/2022</a:t>
             </a:fld>
             <a:endParaRPr lang="en-US"/>
           </a:p>
@@ -2376,7 +2381,7 @@
           <a:p>
             <a:fld id="{EAA9E3AB-16D3-41ED-892E-BBA56A44D35C}" type="datetimeFigureOut">
               <a:rPr lang="en-US" smtClean="0"/>
-              <a:t>7/2/2022</a:t>
+              <a:t>7/3/2022</a:t>
             </a:fld>
             <a:endParaRPr lang="en-US"/>
           </a:p>
@@ -2664,7 +2669,7 @@
           <a:p>
             <a:fld id="{EAA9E3AB-16D3-41ED-892E-BBA56A44D35C}" type="datetimeFigureOut">
               <a:rPr lang="en-US" smtClean="0"/>
-              <a:t>7/2/2022</a:t>
+              <a:t>7/3/2022</a:t>
             </a:fld>
             <a:endParaRPr lang="en-US"/>
           </a:p>
@@ -2905,7 +2910,7 @@
           <a:p>
             <a:fld id="{EAA9E3AB-16D3-41ED-892E-BBA56A44D35C}" type="datetimeFigureOut">
               <a:rPr lang="en-US" smtClean="0"/>
-              <a:t>7/2/2022</a:t>
+              <a:t>7/3/2022</a:t>
             </a:fld>
             <a:endParaRPr lang="en-US"/>
           </a:p>
@@ -3324,6 +3329,189 @@
       </p:grpSpPr>
       <p:sp>
         <p:nvSpPr>
+          <p:cNvPr id="35" name="Rectangle 34">
+            <a:extLst>
+              <a:ext uri="{FF2B5EF4-FFF2-40B4-BE49-F238E27FC236}">
+                <a16:creationId xmlns:a16="http://schemas.microsoft.com/office/drawing/2014/main" id="{12ED7CC8-E178-63B9-9329-6A8F309386EB}"/>
+              </a:ext>
+            </a:extLst>
+          </p:cNvPr>
+          <p:cNvSpPr/>
+          <p:nvPr/>
+        </p:nvSpPr>
+        <p:spPr>
+          <a:xfrm>
+            <a:off x="3358494" y="2352835"/>
+            <a:ext cx="1296579" cy="220717"/>
+          </a:xfrm>
+          <a:prstGeom prst="rect">
+            <a:avLst/>
+          </a:prstGeom>
+        </p:spPr>
+        <p:style>
+          <a:lnRef idx="2">
+            <a:schemeClr val="accent1">
+              <a:shade val="50000"/>
+            </a:schemeClr>
+          </a:lnRef>
+          <a:fillRef idx="1">
+            <a:schemeClr val="accent1"/>
+          </a:fillRef>
+          <a:effectRef idx="0">
+            <a:schemeClr val="accent1"/>
+          </a:effectRef>
+          <a:fontRef idx="minor">
+            <a:schemeClr val="lt1"/>
+          </a:fontRef>
+        </p:style>
+        <p:txBody>
+          <a:bodyPr rtlCol="0" anchor="ctr"/>
+          <a:lstStyle/>
+          <a:p>
+            <a:pPr algn="ctr"/>
+            <a:r>
+              <a:rPr lang="en-US" sz="1400" dirty="0"/>
+              <a:t>WEEK</a:t>
+            </a:r>
+          </a:p>
+        </p:txBody>
+      </p:sp>
+      <p:sp>
+        <p:nvSpPr>
+          <p:cNvPr id="36" name="Rectangle 35">
+            <a:extLst>
+              <a:ext uri="{FF2B5EF4-FFF2-40B4-BE49-F238E27FC236}">
+                <a16:creationId xmlns:a16="http://schemas.microsoft.com/office/drawing/2014/main" id="{29264AAE-EFF9-9633-282D-70EAD1F66FA3}"/>
+              </a:ext>
+            </a:extLst>
+          </p:cNvPr>
+          <p:cNvSpPr/>
+          <p:nvPr/>
+        </p:nvSpPr>
+        <p:spPr>
+          <a:xfrm>
+            <a:off x="4655073" y="2352835"/>
+            <a:ext cx="5242037" cy="220717"/>
+          </a:xfrm>
+          <a:prstGeom prst="rect">
+            <a:avLst/>
+          </a:prstGeom>
+        </p:spPr>
+        <p:style>
+          <a:lnRef idx="2">
+            <a:schemeClr val="accent1">
+              <a:shade val="50000"/>
+            </a:schemeClr>
+          </a:lnRef>
+          <a:fillRef idx="1">
+            <a:schemeClr val="accent1"/>
+          </a:fillRef>
+          <a:effectRef idx="0">
+            <a:schemeClr val="accent1"/>
+          </a:effectRef>
+          <a:fontRef idx="minor">
+            <a:schemeClr val="lt1"/>
+          </a:fontRef>
+        </p:style>
+        <p:txBody>
+          <a:bodyPr rtlCol="0" anchor="ctr"/>
+          <a:lstStyle/>
+          <a:p>
+            <a:pPr algn="ctr"/>
+            <a:r>
+              <a:rPr lang="en-US" sz="1400" dirty="0"/>
+              <a:t>WEEK</a:t>
+            </a:r>
+          </a:p>
+        </p:txBody>
+      </p:sp>
+      <p:sp>
+        <p:nvSpPr>
+          <p:cNvPr id="37" name="Rectangle 36">
+            <a:extLst>
+              <a:ext uri="{FF2B5EF4-FFF2-40B4-BE49-F238E27FC236}">
+                <a16:creationId xmlns:a16="http://schemas.microsoft.com/office/drawing/2014/main" id="{BCD7E7FD-91B2-A5CC-AD09-723B983EFEE6}"/>
+              </a:ext>
+            </a:extLst>
+          </p:cNvPr>
+          <p:cNvSpPr/>
+          <p:nvPr/>
+        </p:nvSpPr>
+        <p:spPr>
+          <a:xfrm>
+            <a:off x="9871710" y="2352835"/>
+            <a:ext cx="1134622" cy="220717"/>
+          </a:xfrm>
+          <a:prstGeom prst="rect">
+            <a:avLst/>
+          </a:prstGeom>
+        </p:spPr>
+        <p:style>
+          <a:lnRef idx="2">
+            <a:schemeClr val="accent1">
+              <a:shade val="50000"/>
+            </a:schemeClr>
+          </a:lnRef>
+          <a:fillRef idx="1">
+            <a:schemeClr val="accent1"/>
+          </a:fillRef>
+          <a:effectRef idx="0">
+            <a:schemeClr val="accent1"/>
+          </a:effectRef>
+          <a:fontRef idx="minor">
+            <a:schemeClr val="lt1"/>
+          </a:fontRef>
+        </p:style>
+        <p:txBody>
+          <a:bodyPr rtlCol="0" anchor="ctr"/>
+          <a:lstStyle/>
+          <a:p>
+            <a:pPr algn="ctr"/>
+            <a:r>
+              <a:rPr lang="en-US" sz="1400" dirty="0"/>
+              <a:t>WEEK</a:t>
+            </a:r>
+          </a:p>
+        </p:txBody>
+      </p:sp>
+      <p:sp>
+        <p:nvSpPr>
+          <p:cNvPr id="38" name="TextBox 37">
+            <a:extLst>
+              <a:ext uri="{FF2B5EF4-FFF2-40B4-BE49-F238E27FC236}">
+                <a16:creationId xmlns:a16="http://schemas.microsoft.com/office/drawing/2014/main" id="{2B5A0A9B-F19A-09D2-9AE7-1C94FA4EF4BD}"/>
+              </a:ext>
+            </a:extLst>
+          </p:cNvPr>
+          <p:cNvSpPr txBox="1"/>
+          <p:nvPr/>
+        </p:nvSpPr>
+        <p:spPr>
+          <a:xfrm>
+            <a:off x="11006333" y="2203756"/>
+            <a:ext cx="343364" cy="369332"/>
+          </a:xfrm>
+          <a:prstGeom prst="rect">
+            <a:avLst/>
+          </a:prstGeom>
+          <a:noFill/>
+        </p:spPr>
+        <p:txBody>
+          <a:bodyPr wrap="none" rtlCol="0" anchor="ctr">
+            <a:spAutoFit/>
+          </a:bodyPr>
+          <a:lstStyle/>
+          <a:p>
+            <a:pPr algn="ctr"/>
+            <a:r>
+              <a:rPr lang="en-US" dirty="0"/>
+              <a:t>…</a:t>
+            </a:r>
+          </a:p>
+        </p:txBody>
+      </p:sp>
+      <p:sp>
+        <p:nvSpPr>
           <p:cNvPr id="4" name="Rectangle 3">
             <a:extLst>
               <a:ext uri="{FF2B5EF4-FFF2-40B4-BE49-F238E27FC236}">
@@ -3459,7 +3647,7 @@
         </p:nvSpPr>
         <p:spPr>
           <a:xfrm>
-            <a:off x="8397240" y="3444816"/>
+            <a:off x="8394065" y="3865318"/>
             <a:ext cx="676910" cy="220717"/>
           </a:xfrm>
           <a:prstGeom prst="rect">
@@ -3508,7 +3696,7 @@
         </p:nvSpPr>
         <p:spPr>
           <a:xfrm>
-            <a:off x="8254980" y="3079696"/>
+            <a:off x="8251805" y="3500198"/>
             <a:ext cx="2473980" cy="220717"/>
           </a:xfrm>
           <a:prstGeom prst="rect">
@@ -3691,7 +3879,7 @@
         </p:nvSpPr>
         <p:spPr>
           <a:xfrm>
-            <a:off x="2430780" y="1994032"/>
+            <a:off x="2423160" y="1994032"/>
             <a:ext cx="819170" cy="220717"/>
           </a:xfrm>
           <a:prstGeom prst="rect">
@@ -3777,6 +3965,114 @@
       </p:sp>
       <p:sp>
         <p:nvSpPr>
+          <p:cNvPr id="19" name="TextBox 18">
+            <a:extLst>
+              <a:ext uri="{FF2B5EF4-FFF2-40B4-BE49-F238E27FC236}">
+                <a16:creationId xmlns:a16="http://schemas.microsoft.com/office/drawing/2014/main" id="{E9CEE412-D96C-7953-3E4F-9AE18D63055B}"/>
+              </a:ext>
+            </a:extLst>
+          </p:cNvPr>
+          <p:cNvSpPr txBox="1"/>
+          <p:nvPr/>
+        </p:nvSpPr>
+        <p:spPr>
+          <a:xfrm>
+            <a:off x="3249950" y="1863326"/>
+            <a:ext cx="343364" cy="369332"/>
+          </a:xfrm>
+          <a:prstGeom prst="rect">
+            <a:avLst/>
+          </a:prstGeom>
+          <a:noFill/>
+        </p:spPr>
+        <p:txBody>
+          <a:bodyPr wrap="none" rtlCol="0" anchor="ctr">
+            <a:spAutoFit/>
+          </a:bodyPr>
+          <a:lstStyle/>
+          <a:p>
+            <a:pPr algn="ctr"/>
+            <a:r>
+              <a:rPr lang="en-US" dirty="0"/>
+              <a:t>…</a:t>
+            </a:r>
+          </a:p>
+        </p:txBody>
+      </p:sp>
+      <p:sp>
+        <p:nvSpPr>
+          <p:cNvPr id="20" name="TextBox 19">
+            <a:extLst>
+              <a:ext uri="{FF2B5EF4-FFF2-40B4-BE49-F238E27FC236}">
+                <a16:creationId xmlns:a16="http://schemas.microsoft.com/office/drawing/2014/main" id="{71FF16B7-6455-100C-457D-B5AD1A85CF56}"/>
+              </a:ext>
+            </a:extLst>
+          </p:cNvPr>
+          <p:cNvSpPr txBox="1"/>
+          <p:nvPr/>
+        </p:nvSpPr>
+        <p:spPr>
+          <a:xfrm>
+            <a:off x="11006333" y="1521618"/>
+            <a:ext cx="343364" cy="369332"/>
+          </a:xfrm>
+          <a:prstGeom prst="rect">
+            <a:avLst/>
+          </a:prstGeom>
+          <a:noFill/>
+        </p:spPr>
+        <p:txBody>
+          <a:bodyPr wrap="none" rtlCol="0" anchor="ctr">
+            <a:spAutoFit/>
+          </a:bodyPr>
+          <a:lstStyle/>
+          <a:p>
+            <a:pPr algn="ctr"/>
+            <a:r>
+              <a:rPr lang="en-US" dirty="0"/>
+              <a:t>…</a:t>
+            </a:r>
+          </a:p>
+        </p:txBody>
+      </p:sp>
+      <p:sp>
+        <p:nvSpPr>
+          <p:cNvPr id="21" name="TextBox 20">
+            <a:extLst>
+              <a:ext uri="{FF2B5EF4-FFF2-40B4-BE49-F238E27FC236}">
+                <a16:creationId xmlns:a16="http://schemas.microsoft.com/office/drawing/2014/main" id="{502D02DC-7C00-F292-99C9-6EDBAFEDE4B4}"/>
+              </a:ext>
+            </a:extLst>
+          </p:cNvPr>
+          <p:cNvSpPr txBox="1"/>
+          <p:nvPr/>
+        </p:nvSpPr>
+        <p:spPr>
+          <a:xfrm>
+            <a:off x="11006333" y="1883568"/>
+            <a:ext cx="343364" cy="369332"/>
+          </a:xfrm>
+          <a:prstGeom prst="rect">
+            <a:avLst/>
+          </a:prstGeom>
+          <a:noFill/>
+        </p:spPr>
+        <p:txBody>
+          <a:bodyPr wrap="none" rtlCol="0" anchor="ctr">
+            <a:spAutoFit/>
+          </a:bodyPr>
+          <a:lstStyle/>
+          <a:p>
+            <a:pPr algn="ctr"/>
+            <a:r>
+              <a:rPr lang="en-US" dirty="0"/>
+              <a:t>…</a:t>
+            </a:r>
+          </a:p>
+        </p:txBody>
+      </p:sp>
+      <p:sp>
+        <p:nvSpPr>
           <p:cNvPr id="18" name="Rectangle 17">
             <a:extLst>
               <a:ext uri="{FF2B5EF4-FFF2-40B4-BE49-F238E27FC236}">
@@ -3789,8 +4085,409 @@
         </p:nvSpPr>
         <p:spPr>
           <a:xfrm>
-            <a:off x="3593314" y="2360744"/>
+            <a:off x="3567914" y="2726810"/>
             <a:ext cx="518180" cy="220717"/>
+          </a:xfrm>
+          <a:prstGeom prst="rect">
+            <a:avLst/>
+          </a:prstGeom>
+        </p:spPr>
+        <p:style>
+          <a:lnRef idx="2">
+            <a:schemeClr val="accent5">
+              <a:shade val="50000"/>
+            </a:schemeClr>
+          </a:lnRef>
+          <a:fillRef idx="1">
+            <a:schemeClr val="accent5"/>
+          </a:fillRef>
+          <a:effectRef idx="0">
+            <a:schemeClr val="accent5"/>
+          </a:effectRef>
+          <a:fontRef idx="minor">
+            <a:schemeClr val="lt1"/>
+          </a:fontRef>
+        </p:style>
+        <p:txBody>
+          <a:bodyPr rtlCol="0" anchor="ctr"/>
+          <a:lstStyle/>
+          <a:p>
+            <a:pPr algn="ctr"/>
+            <a:r>
+              <a:rPr lang="en-US" sz="1400" dirty="0"/>
+              <a:t>DAY</a:t>
+            </a:r>
+          </a:p>
+        </p:txBody>
+      </p:sp>
+      <p:sp>
+        <p:nvSpPr>
+          <p:cNvPr id="22" name="Rectangle 21">
+            <a:extLst>
+              <a:ext uri="{FF2B5EF4-FFF2-40B4-BE49-F238E27FC236}">
+                <a16:creationId xmlns:a16="http://schemas.microsoft.com/office/drawing/2014/main" id="{BB774352-8A35-9181-310E-1A3997372BE3}"/>
+              </a:ext>
+            </a:extLst>
+          </p:cNvPr>
+          <p:cNvSpPr/>
+          <p:nvPr/>
+        </p:nvSpPr>
+        <p:spPr>
+          <a:xfrm>
+            <a:off x="4086094" y="2726810"/>
+            <a:ext cx="518180" cy="220717"/>
+          </a:xfrm>
+          <a:prstGeom prst="rect">
+            <a:avLst/>
+          </a:prstGeom>
+        </p:spPr>
+        <p:style>
+          <a:lnRef idx="2">
+            <a:schemeClr val="accent5">
+              <a:shade val="50000"/>
+            </a:schemeClr>
+          </a:lnRef>
+          <a:fillRef idx="1">
+            <a:schemeClr val="accent5"/>
+          </a:fillRef>
+          <a:effectRef idx="0">
+            <a:schemeClr val="accent5"/>
+          </a:effectRef>
+          <a:fontRef idx="minor">
+            <a:schemeClr val="lt1"/>
+          </a:fontRef>
+        </p:style>
+        <p:txBody>
+          <a:bodyPr rtlCol="0" anchor="ctr"/>
+          <a:lstStyle/>
+          <a:p>
+            <a:pPr algn="ctr"/>
+            <a:r>
+              <a:rPr lang="en-US" sz="1400" dirty="0"/>
+              <a:t>DAY</a:t>
+            </a:r>
+          </a:p>
+        </p:txBody>
+      </p:sp>
+      <p:sp>
+        <p:nvSpPr>
+          <p:cNvPr id="23" name="Rectangle 22">
+            <a:extLst>
+              <a:ext uri="{FF2B5EF4-FFF2-40B4-BE49-F238E27FC236}">
+                <a16:creationId xmlns:a16="http://schemas.microsoft.com/office/drawing/2014/main" id="{7AAC5E37-6407-D09D-8BA1-36D2F88AFE1D}"/>
+              </a:ext>
+            </a:extLst>
+          </p:cNvPr>
+          <p:cNvSpPr/>
+          <p:nvPr/>
+        </p:nvSpPr>
+        <p:spPr>
+          <a:xfrm>
+            <a:off x="4924778" y="2726810"/>
+            <a:ext cx="4921532" cy="220717"/>
+          </a:xfrm>
+          <a:prstGeom prst="rect">
+            <a:avLst/>
+          </a:prstGeom>
+        </p:spPr>
+        <p:style>
+          <a:lnRef idx="2">
+            <a:schemeClr val="accent5">
+              <a:shade val="50000"/>
+            </a:schemeClr>
+          </a:lnRef>
+          <a:fillRef idx="1">
+            <a:schemeClr val="accent5"/>
+          </a:fillRef>
+          <a:effectRef idx="0">
+            <a:schemeClr val="accent5"/>
+          </a:effectRef>
+          <a:fontRef idx="minor">
+            <a:schemeClr val="lt1"/>
+          </a:fontRef>
+        </p:style>
+        <p:txBody>
+          <a:bodyPr rtlCol="0" anchor="ctr"/>
+          <a:lstStyle/>
+          <a:p>
+            <a:pPr algn="ctr"/>
+            <a:r>
+              <a:rPr lang="en-US" sz="1400" dirty="0"/>
+              <a:t>DAY</a:t>
+            </a:r>
+          </a:p>
+        </p:txBody>
+      </p:sp>
+      <p:sp>
+        <p:nvSpPr>
+          <p:cNvPr id="24" name="TextBox 23">
+            <a:extLst>
+              <a:ext uri="{FF2B5EF4-FFF2-40B4-BE49-F238E27FC236}">
+                <a16:creationId xmlns:a16="http://schemas.microsoft.com/office/drawing/2014/main" id="{DE995C4E-ED4E-8703-A572-0271FC2D0954}"/>
+              </a:ext>
+            </a:extLst>
+          </p:cNvPr>
+          <p:cNvSpPr txBox="1"/>
+          <p:nvPr/>
+        </p:nvSpPr>
+        <p:spPr>
+          <a:xfrm>
+            <a:off x="4581414" y="2592149"/>
+            <a:ext cx="343364" cy="369332"/>
+          </a:xfrm>
+          <a:prstGeom prst="rect">
+            <a:avLst/>
+          </a:prstGeom>
+          <a:noFill/>
+        </p:spPr>
+        <p:txBody>
+          <a:bodyPr wrap="none" rtlCol="0" anchor="ctr">
+            <a:spAutoFit/>
+          </a:bodyPr>
+          <a:lstStyle/>
+          <a:p>
+            <a:pPr algn="ctr"/>
+            <a:r>
+              <a:rPr lang="en-US" dirty="0"/>
+              <a:t>…</a:t>
+            </a:r>
+          </a:p>
+        </p:txBody>
+      </p:sp>
+      <p:sp>
+        <p:nvSpPr>
+          <p:cNvPr id="25" name="Rectangle 24">
+            <a:extLst>
+              <a:ext uri="{FF2B5EF4-FFF2-40B4-BE49-F238E27FC236}">
+                <a16:creationId xmlns:a16="http://schemas.microsoft.com/office/drawing/2014/main" id="{F27DB7AF-A7FC-91A3-A57C-C0527AED2478}"/>
+              </a:ext>
+            </a:extLst>
+          </p:cNvPr>
+          <p:cNvSpPr/>
+          <p:nvPr/>
+        </p:nvSpPr>
+        <p:spPr>
+          <a:xfrm>
+            <a:off x="9846310" y="2726810"/>
+            <a:ext cx="1134622" cy="220717"/>
+          </a:xfrm>
+          <a:prstGeom prst="rect">
+            <a:avLst/>
+          </a:prstGeom>
+        </p:spPr>
+        <p:style>
+          <a:lnRef idx="2">
+            <a:schemeClr val="accent5">
+              <a:shade val="50000"/>
+            </a:schemeClr>
+          </a:lnRef>
+          <a:fillRef idx="1">
+            <a:schemeClr val="accent5"/>
+          </a:fillRef>
+          <a:effectRef idx="0">
+            <a:schemeClr val="accent5"/>
+          </a:effectRef>
+          <a:fontRef idx="minor">
+            <a:schemeClr val="lt1"/>
+          </a:fontRef>
+        </p:style>
+        <p:txBody>
+          <a:bodyPr rtlCol="0" anchor="ctr"/>
+          <a:lstStyle/>
+          <a:p>
+            <a:pPr algn="ctr"/>
+            <a:r>
+              <a:rPr lang="en-US" sz="1400" dirty="0"/>
+              <a:t>DAY</a:t>
+            </a:r>
+          </a:p>
+        </p:txBody>
+      </p:sp>
+      <p:sp>
+        <p:nvSpPr>
+          <p:cNvPr id="26" name="TextBox 25">
+            <a:extLst>
+              <a:ext uri="{FF2B5EF4-FFF2-40B4-BE49-F238E27FC236}">
+                <a16:creationId xmlns:a16="http://schemas.microsoft.com/office/drawing/2014/main" id="{6B1C7B49-2016-135A-FD33-25A266A08500}"/>
+              </a:ext>
+            </a:extLst>
+          </p:cNvPr>
+          <p:cNvSpPr txBox="1"/>
+          <p:nvPr/>
+        </p:nvSpPr>
+        <p:spPr>
+          <a:xfrm>
+            <a:off x="10980933" y="2574240"/>
+            <a:ext cx="343364" cy="369332"/>
+          </a:xfrm>
+          <a:prstGeom prst="rect">
+            <a:avLst/>
+          </a:prstGeom>
+          <a:noFill/>
+        </p:spPr>
+        <p:txBody>
+          <a:bodyPr wrap="none" rtlCol="0" anchor="ctr">
+            <a:spAutoFit/>
+          </a:bodyPr>
+          <a:lstStyle/>
+          <a:p>
+            <a:pPr algn="ctr"/>
+            <a:r>
+              <a:rPr lang="en-US" dirty="0"/>
+              <a:t>…</a:t>
+            </a:r>
+          </a:p>
+        </p:txBody>
+      </p:sp>
+      <p:sp>
+        <p:nvSpPr>
+          <p:cNvPr id="31" name="Rectangle 30">
+            <a:extLst>
+              <a:ext uri="{FF2B5EF4-FFF2-40B4-BE49-F238E27FC236}">
+                <a16:creationId xmlns:a16="http://schemas.microsoft.com/office/drawing/2014/main" id="{A21EFC8E-2DFF-0413-0E47-2454B24D29E3}"/>
+              </a:ext>
+            </a:extLst>
+          </p:cNvPr>
+          <p:cNvSpPr/>
+          <p:nvPr/>
+        </p:nvSpPr>
+        <p:spPr>
+          <a:xfrm>
+            <a:off x="9269075" y="3857152"/>
+            <a:ext cx="1220490" cy="220717"/>
+          </a:xfrm>
+          <a:prstGeom prst="rect">
+            <a:avLst/>
+          </a:prstGeom>
+        </p:spPr>
+        <p:style>
+          <a:lnRef idx="2">
+            <a:schemeClr val="accent6">
+              <a:shade val="50000"/>
+            </a:schemeClr>
+          </a:lnRef>
+          <a:fillRef idx="1">
+            <a:schemeClr val="accent6"/>
+          </a:fillRef>
+          <a:effectRef idx="0">
+            <a:schemeClr val="accent6"/>
+          </a:effectRef>
+          <a:fontRef idx="minor">
+            <a:schemeClr val="lt1"/>
+          </a:fontRef>
+        </p:style>
+        <p:txBody>
+          <a:bodyPr rtlCol="0" anchor="ctr"/>
+          <a:lstStyle/>
+          <a:p>
+            <a:pPr algn="ctr"/>
+            <a:r>
+              <a:rPr lang="en-US" sz="1400" dirty="0"/>
+              <a:t>GAME</a:t>
+            </a:r>
+          </a:p>
+        </p:txBody>
+      </p:sp>
+      <p:sp>
+        <p:nvSpPr>
+          <p:cNvPr id="32" name="Rectangle 31">
+            <a:extLst>
+              <a:ext uri="{FF2B5EF4-FFF2-40B4-BE49-F238E27FC236}">
+                <a16:creationId xmlns:a16="http://schemas.microsoft.com/office/drawing/2014/main" id="{5B440919-1DFC-A6D6-42C9-9E8E92BF7FA9}"/>
+              </a:ext>
+            </a:extLst>
+          </p:cNvPr>
+          <p:cNvSpPr/>
+          <p:nvPr/>
+        </p:nvSpPr>
+        <p:spPr>
+          <a:xfrm>
+            <a:off x="5409545" y="3500197"/>
+            <a:ext cx="1734840" cy="220717"/>
+          </a:xfrm>
+          <a:prstGeom prst="rect">
+            <a:avLst/>
+          </a:prstGeom>
+        </p:spPr>
+        <p:style>
+          <a:lnRef idx="2">
+            <a:schemeClr val="accent4">
+              <a:shade val="50000"/>
+            </a:schemeClr>
+          </a:lnRef>
+          <a:fillRef idx="1">
+            <a:schemeClr val="accent4"/>
+          </a:fillRef>
+          <a:effectRef idx="0">
+            <a:schemeClr val="accent4"/>
+          </a:effectRef>
+          <a:fontRef idx="minor">
+            <a:schemeClr val="lt1"/>
+          </a:fontRef>
+        </p:style>
+        <p:txBody>
+          <a:bodyPr rtlCol="0" anchor="ctr"/>
+          <a:lstStyle/>
+          <a:p>
+            <a:pPr algn="ctr"/>
+            <a:r>
+              <a:rPr lang="en-US" sz="1400" dirty="0"/>
+              <a:t>SESSION</a:t>
+            </a:r>
+          </a:p>
+        </p:txBody>
+      </p:sp>
+      <p:sp>
+        <p:nvSpPr>
+          <p:cNvPr id="33" name="TextBox 32">
+            <a:extLst>
+              <a:ext uri="{FF2B5EF4-FFF2-40B4-BE49-F238E27FC236}">
+                <a16:creationId xmlns:a16="http://schemas.microsoft.com/office/drawing/2014/main" id="{CD9F7BAB-D0EF-A209-92A8-628127BEB7C6}"/>
+              </a:ext>
+            </a:extLst>
+          </p:cNvPr>
+          <p:cNvSpPr txBox="1"/>
+          <p:nvPr/>
+        </p:nvSpPr>
+        <p:spPr>
+          <a:xfrm>
+            <a:off x="4847164" y="529627"/>
+            <a:ext cx="2497671" cy="369332"/>
+          </a:xfrm>
+          <a:prstGeom prst="rect">
+            <a:avLst/>
+          </a:prstGeom>
+          <a:noFill/>
+        </p:spPr>
+        <p:txBody>
+          <a:bodyPr wrap="none" rtlCol="0">
+            <a:spAutoFit/>
+          </a:bodyPr>
+          <a:lstStyle/>
+          <a:p>
+            <a:r>
+              <a:rPr lang="en-US" dirty="0"/>
+              <a:t>Badge Timeline - Periods</a:t>
+            </a:r>
+          </a:p>
+        </p:txBody>
+      </p:sp>
+      <p:sp>
+        <p:nvSpPr>
+          <p:cNvPr id="39" name="Rectangle 38">
+            <a:extLst>
+              <a:ext uri="{FF2B5EF4-FFF2-40B4-BE49-F238E27FC236}">
+                <a16:creationId xmlns:a16="http://schemas.microsoft.com/office/drawing/2014/main" id="{4967CDA9-D0B6-83E4-07CB-61632BCB3C69}"/>
+              </a:ext>
+            </a:extLst>
+          </p:cNvPr>
+          <p:cNvSpPr/>
+          <p:nvPr/>
+        </p:nvSpPr>
+        <p:spPr>
+          <a:xfrm>
+            <a:off x="4974570" y="3113504"/>
+            <a:ext cx="634647" cy="220717"/>
           </a:xfrm>
           <a:prstGeom prst="rect">
             <a:avLst/>
@@ -3819,125 +4516,17 @@
             <a:pPr algn="ctr"/>
             <a:r>
               <a:rPr lang="en-US" sz="1400" dirty="0"/>
-              <a:t>DAY</a:t>
-            </a:r>
-          </a:p>
-        </p:txBody>
-      </p:sp>
-      <p:sp>
-        <p:nvSpPr>
-          <p:cNvPr id="19" name="TextBox 18">
-            <a:extLst>
-              <a:ext uri="{FF2B5EF4-FFF2-40B4-BE49-F238E27FC236}">
-                <a16:creationId xmlns:a16="http://schemas.microsoft.com/office/drawing/2014/main" id="{E9CEE412-D96C-7953-3E4F-9AE18D63055B}"/>
-              </a:ext>
-            </a:extLst>
-          </p:cNvPr>
-          <p:cNvSpPr txBox="1"/>
-          <p:nvPr/>
-        </p:nvSpPr>
-        <p:spPr>
-          <a:xfrm>
-            <a:off x="3249950" y="1863326"/>
-            <a:ext cx="343364" cy="369332"/>
-          </a:xfrm>
-          <a:prstGeom prst="rect">
-            <a:avLst/>
-          </a:prstGeom>
-          <a:noFill/>
-        </p:spPr>
-        <p:txBody>
-          <a:bodyPr wrap="none" rtlCol="0" anchor="ctr">
-            <a:spAutoFit/>
-          </a:bodyPr>
-          <a:lstStyle/>
-          <a:p>
-            <a:pPr algn="ctr"/>
-            <a:r>
-              <a:rPr lang="en-US" dirty="0"/>
-              <a:t>…</a:t>
-            </a:r>
-          </a:p>
-        </p:txBody>
-      </p:sp>
-      <p:sp>
-        <p:nvSpPr>
-          <p:cNvPr id="20" name="TextBox 19">
-            <a:extLst>
-              <a:ext uri="{FF2B5EF4-FFF2-40B4-BE49-F238E27FC236}">
-                <a16:creationId xmlns:a16="http://schemas.microsoft.com/office/drawing/2014/main" id="{71FF16B7-6455-100C-457D-B5AD1A85CF56}"/>
-              </a:ext>
-            </a:extLst>
-          </p:cNvPr>
-          <p:cNvSpPr txBox="1"/>
-          <p:nvPr/>
-        </p:nvSpPr>
-        <p:spPr>
-          <a:xfrm>
-            <a:off x="11006333" y="1521618"/>
-            <a:ext cx="343364" cy="369332"/>
-          </a:xfrm>
-          <a:prstGeom prst="rect">
-            <a:avLst/>
-          </a:prstGeom>
-          <a:noFill/>
-        </p:spPr>
-        <p:txBody>
-          <a:bodyPr wrap="none" rtlCol="0" anchor="ctr">
-            <a:spAutoFit/>
-          </a:bodyPr>
-          <a:lstStyle/>
-          <a:p>
-            <a:pPr algn="ctr"/>
-            <a:r>
-              <a:rPr lang="en-US" dirty="0"/>
-              <a:t>…</a:t>
-            </a:r>
-          </a:p>
-        </p:txBody>
-      </p:sp>
-      <p:sp>
-        <p:nvSpPr>
-          <p:cNvPr id="21" name="TextBox 20">
-            <a:extLst>
-              <a:ext uri="{FF2B5EF4-FFF2-40B4-BE49-F238E27FC236}">
-                <a16:creationId xmlns:a16="http://schemas.microsoft.com/office/drawing/2014/main" id="{502D02DC-7C00-F292-99C9-6EDBAFEDE4B4}"/>
-              </a:ext>
-            </a:extLst>
-          </p:cNvPr>
-          <p:cNvSpPr txBox="1"/>
-          <p:nvPr/>
-        </p:nvSpPr>
-        <p:spPr>
-          <a:xfrm>
-            <a:off x="11006333" y="1883568"/>
-            <a:ext cx="343364" cy="369332"/>
-          </a:xfrm>
-          <a:prstGeom prst="rect">
-            <a:avLst/>
-          </a:prstGeom>
-          <a:noFill/>
-        </p:spPr>
-        <p:txBody>
-          <a:bodyPr wrap="none" rtlCol="0" anchor="ctr">
-            <a:spAutoFit/>
-          </a:bodyPr>
-          <a:lstStyle/>
-          <a:p>
-            <a:pPr algn="ctr"/>
-            <a:r>
-              <a:rPr lang="en-US" dirty="0"/>
-              <a:t>…</a:t>
-            </a:r>
-          </a:p>
-        </p:txBody>
-      </p:sp>
-      <p:sp>
-        <p:nvSpPr>
-          <p:cNvPr id="22" name="Rectangle 21">
-            <a:extLst>
-              <a:ext uri="{FF2B5EF4-FFF2-40B4-BE49-F238E27FC236}">
-                <a16:creationId xmlns:a16="http://schemas.microsoft.com/office/drawing/2014/main" id="{BB774352-8A35-9181-310E-1A3997372BE3}"/>
+              <a:t>HOUR</a:t>
+            </a:r>
+          </a:p>
+        </p:txBody>
+      </p:sp>
+      <p:sp>
+        <p:nvSpPr>
+          <p:cNvPr id="40" name="Rectangle 39">
+            <a:extLst>
+              <a:ext uri="{FF2B5EF4-FFF2-40B4-BE49-F238E27FC236}">
+                <a16:creationId xmlns:a16="http://schemas.microsoft.com/office/drawing/2014/main" id="{F00806B1-45A9-FAD6-BA62-587DF42AEB97}"/>
               </a:ext>
             </a:extLst>
           </p:cNvPr>
@@ -3946,8 +4535,8 @@
         </p:nvSpPr>
         <p:spPr>
           <a:xfrm>
-            <a:off x="4111494" y="2360744"/>
-            <a:ext cx="518180" cy="220717"/>
+            <a:off x="5609217" y="3113504"/>
+            <a:ext cx="634647" cy="220717"/>
           </a:xfrm>
           <a:prstGeom prst="rect">
             <a:avLst/>
@@ -3976,17 +4565,17 @@
             <a:pPr algn="ctr"/>
             <a:r>
               <a:rPr lang="en-US" sz="1400" dirty="0"/>
-              <a:t>DAY</a:t>
-            </a:r>
-          </a:p>
-        </p:txBody>
-      </p:sp>
-      <p:sp>
-        <p:nvSpPr>
-          <p:cNvPr id="23" name="Rectangle 22">
-            <a:extLst>
-              <a:ext uri="{FF2B5EF4-FFF2-40B4-BE49-F238E27FC236}">
-                <a16:creationId xmlns:a16="http://schemas.microsoft.com/office/drawing/2014/main" id="{7AAC5E37-6407-D09D-8BA1-36D2F88AFE1D}"/>
+              <a:t>HOUR</a:t>
+            </a:r>
+          </a:p>
+        </p:txBody>
+      </p:sp>
+      <p:sp>
+        <p:nvSpPr>
+          <p:cNvPr id="41" name="Rectangle 40">
+            <a:extLst>
+              <a:ext uri="{FF2B5EF4-FFF2-40B4-BE49-F238E27FC236}">
+                <a16:creationId xmlns:a16="http://schemas.microsoft.com/office/drawing/2014/main" id="{5CF70B04-4A08-D080-41CD-6BCCFD25B0CC}"/>
               </a:ext>
             </a:extLst>
           </p:cNvPr>
@@ -3995,8 +4584,8 @@
         </p:nvSpPr>
         <p:spPr>
           <a:xfrm>
-            <a:off x="4950178" y="2352835"/>
-            <a:ext cx="4921532" cy="220717"/>
+            <a:off x="6250204" y="3113504"/>
+            <a:ext cx="634647" cy="220717"/>
           </a:xfrm>
           <a:prstGeom prst="rect">
             <a:avLst/>
@@ -4025,53 +4614,17 @@
             <a:pPr algn="ctr"/>
             <a:r>
               <a:rPr lang="en-US" sz="1400" dirty="0"/>
-              <a:t>DAY</a:t>
-            </a:r>
-          </a:p>
-        </p:txBody>
-      </p:sp>
-      <p:sp>
-        <p:nvSpPr>
-          <p:cNvPr id="24" name="TextBox 23">
-            <a:extLst>
-              <a:ext uri="{FF2B5EF4-FFF2-40B4-BE49-F238E27FC236}">
-                <a16:creationId xmlns:a16="http://schemas.microsoft.com/office/drawing/2014/main" id="{DE995C4E-ED4E-8703-A572-0271FC2D0954}"/>
-              </a:ext>
-            </a:extLst>
-          </p:cNvPr>
-          <p:cNvSpPr txBox="1"/>
-          <p:nvPr/>
-        </p:nvSpPr>
-        <p:spPr>
-          <a:xfrm>
-            <a:off x="4606814" y="2222129"/>
-            <a:ext cx="343364" cy="369332"/>
-          </a:xfrm>
-          <a:prstGeom prst="rect">
-            <a:avLst/>
-          </a:prstGeom>
-          <a:noFill/>
-        </p:spPr>
-        <p:txBody>
-          <a:bodyPr wrap="none" rtlCol="0" anchor="ctr">
-            <a:spAutoFit/>
-          </a:bodyPr>
-          <a:lstStyle/>
-          <a:p>
-            <a:pPr algn="ctr"/>
-            <a:r>
-              <a:rPr lang="en-US" dirty="0"/>
-              <a:t>…</a:t>
-            </a:r>
-          </a:p>
-        </p:txBody>
-      </p:sp>
-      <p:sp>
-        <p:nvSpPr>
-          <p:cNvPr id="25" name="Rectangle 24">
-            <a:extLst>
-              <a:ext uri="{FF2B5EF4-FFF2-40B4-BE49-F238E27FC236}">
-                <a16:creationId xmlns:a16="http://schemas.microsoft.com/office/drawing/2014/main" id="{F27DB7AF-A7FC-91A3-A57C-C0527AED2478}"/>
+              <a:t>HOUR</a:t>
+            </a:r>
+          </a:p>
+        </p:txBody>
+      </p:sp>
+      <p:sp>
+        <p:nvSpPr>
+          <p:cNvPr id="42" name="Rectangle 41">
+            <a:extLst>
+              <a:ext uri="{FF2B5EF4-FFF2-40B4-BE49-F238E27FC236}">
+                <a16:creationId xmlns:a16="http://schemas.microsoft.com/office/drawing/2014/main" id="{3DA9F212-C981-9DA8-693D-E719EE0B29F2}"/>
               </a:ext>
             </a:extLst>
           </p:cNvPr>
@@ -4080,8 +4633,8 @@
         </p:nvSpPr>
         <p:spPr>
           <a:xfrm>
-            <a:off x="9871710" y="2352835"/>
-            <a:ext cx="1134622" cy="220717"/>
+            <a:off x="6884851" y="3113504"/>
+            <a:ext cx="634647" cy="220717"/>
           </a:xfrm>
           <a:prstGeom prst="rect">
             <a:avLst/>
@@ -4110,79 +4663,43 @@
             <a:pPr algn="ctr"/>
             <a:r>
               <a:rPr lang="en-US" sz="1400" dirty="0"/>
-              <a:t>DAY</a:t>
-            </a:r>
-          </a:p>
-        </p:txBody>
-      </p:sp>
-      <p:sp>
-        <p:nvSpPr>
-          <p:cNvPr id="26" name="TextBox 25">
-            <a:extLst>
-              <a:ext uri="{FF2B5EF4-FFF2-40B4-BE49-F238E27FC236}">
-                <a16:creationId xmlns:a16="http://schemas.microsoft.com/office/drawing/2014/main" id="{6B1C7B49-2016-135A-FD33-25A266A08500}"/>
-              </a:ext>
-            </a:extLst>
-          </p:cNvPr>
-          <p:cNvSpPr txBox="1"/>
+              <a:t>HOUR</a:t>
+            </a:r>
+          </a:p>
+        </p:txBody>
+      </p:sp>
+      <p:sp>
+        <p:nvSpPr>
+          <p:cNvPr id="44" name="Rectangle 43">
+            <a:extLst>
+              <a:ext uri="{FF2B5EF4-FFF2-40B4-BE49-F238E27FC236}">
+                <a16:creationId xmlns:a16="http://schemas.microsoft.com/office/drawing/2014/main" id="{979CC70B-341B-A4F7-58CF-D0BF3865FCC0}"/>
+              </a:ext>
+            </a:extLst>
+          </p:cNvPr>
+          <p:cNvSpPr/>
           <p:nvPr/>
         </p:nvSpPr>
         <p:spPr>
           <a:xfrm>
-            <a:off x="11006333" y="2204220"/>
-            <a:ext cx="343364" cy="369332"/>
+            <a:off x="7961429" y="3113504"/>
+            <a:ext cx="634647" cy="220717"/>
           </a:xfrm>
           <a:prstGeom prst="rect">
             <a:avLst/>
           </a:prstGeom>
-          <a:noFill/>
-        </p:spPr>
-        <p:txBody>
-          <a:bodyPr wrap="none" rtlCol="0" anchor="ctr">
-            <a:spAutoFit/>
-          </a:bodyPr>
-          <a:lstStyle/>
-          <a:p>
-            <a:pPr algn="ctr"/>
-            <a:r>
-              <a:rPr lang="en-US" dirty="0"/>
-              <a:t>…</a:t>
-            </a:r>
-          </a:p>
-        </p:txBody>
-      </p:sp>
-      <p:sp>
-        <p:nvSpPr>
-          <p:cNvPr id="27" name="Rectangle 26">
-            <a:extLst>
-              <a:ext uri="{FF2B5EF4-FFF2-40B4-BE49-F238E27FC236}">
-                <a16:creationId xmlns:a16="http://schemas.microsoft.com/office/drawing/2014/main" id="{20F914F0-E5DC-CECA-4062-6A6FFFA97616}"/>
-              </a:ext>
-            </a:extLst>
-          </p:cNvPr>
-          <p:cNvSpPr/>
-          <p:nvPr/>
-        </p:nvSpPr>
-        <p:spPr>
-          <a:xfrm>
-            <a:off x="3333094" y="2727456"/>
-            <a:ext cx="1296579" cy="220717"/>
-          </a:xfrm>
-          <a:prstGeom prst="rect">
-            <a:avLst/>
-          </a:prstGeom>
         </p:spPr>
         <p:style>
           <a:lnRef idx="2">
-            <a:schemeClr val="accent5">
+            <a:schemeClr val="accent1">
               <a:shade val="50000"/>
             </a:schemeClr>
           </a:lnRef>
           <a:fillRef idx="1">
-            <a:schemeClr val="accent5"/>
+            <a:schemeClr val="accent1"/>
           </a:fillRef>
           <a:effectRef idx="0">
-            <a:schemeClr val="accent5"/>
+            <a:schemeClr val="accent1"/>
           </a:effectRef>
           <a:fontRef idx="minor">
             <a:schemeClr val="lt1"/>
@@ -4195,17 +4712,17 @@
             <a:pPr algn="ctr"/>
             <a:r>
               <a:rPr lang="en-US" sz="1400" dirty="0"/>
-              <a:t>WEEK</a:t>
-            </a:r>
-          </a:p>
-        </p:txBody>
-      </p:sp>
-      <p:sp>
-        <p:nvSpPr>
-          <p:cNvPr id="28" name="Rectangle 27">
-            <a:extLst>
-              <a:ext uri="{FF2B5EF4-FFF2-40B4-BE49-F238E27FC236}">
-                <a16:creationId xmlns:a16="http://schemas.microsoft.com/office/drawing/2014/main" id="{C6E843D2-D5AF-651C-6E64-1AB0FEF327EF}"/>
+              <a:t>HOUR</a:t>
+            </a:r>
+          </a:p>
+        </p:txBody>
+      </p:sp>
+      <p:sp>
+        <p:nvSpPr>
+          <p:cNvPr id="45" name="Rectangle 44">
+            <a:extLst>
+              <a:ext uri="{FF2B5EF4-FFF2-40B4-BE49-F238E27FC236}">
+                <a16:creationId xmlns:a16="http://schemas.microsoft.com/office/drawing/2014/main" id="{F80B7474-1013-7AD5-9A2A-9BA7E363E396}"/>
               </a:ext>
             </a:extLst>
           </p:cNvPr>
@@ -4214,8 +4731,8 @@
         </p:nvSpPr>
         <p:spPr>
           <a:xfrm>
-            <a:off x="4629673" y="2726529"/>
-            <a:ext cx="5242037" cy="220717"/>
+            <a:off x="8602416" y="3113504"/>
+            <a:ext cx="634647" cy="220717"/>
           </a:xfrm>
           <a:prstGeom prst="rect">
             <a:avLst/>
@@ -4223,15 +4740,15 @@
         </p:spPr>
         <p:style>
           <a:lnRef idx="2">
-            <a:schemeClr val="accent5">
+            <a:schemeClr val="accent1">
               <a:shade val="50000"/>
             </a:schemeClr>
           </a:lnRef>
           <a:fillRef idx="1">
-            <a:schemeClr val="accent5"/>
+            <a:schemeClr val="accent1"/>
           </a:fillRef>
           <a:effectRef idx="0">
-            <a:schemeClr val="accent5"/>
+            <a:schemeClr val="accent1"/>
           </a:effectRef>
           <a:fontRef idx="minor">
             <a:schemeClr val="lt1"/>
@@ -4244,17 +4761,17 @@
             <a:pPr algn="ctr"/>
             <a:r>
               <a:rPr lang="en-US" sz="1400" dirty="0"/>
-              <a:t>WEEK</a:t>
-            </a:r>
-          </a:p>
-        </p:txBody>
-      </p:sp>
-      <p:sp>
-        <p:nvSpPr>
-          <p:cNvPr id="29" name="Rectangle 28">
-            <a:extLst>
-              <a:ext uri="{FF2B5EF4-FFF2-40B4-BE49-F238E27FC236}">
-                <a16:creationId xmlns:a16="http://schemas.microsoft.com/office/drawing/2014/main" id="{4A2FB406-0D4B-1EED-75EE-95631068CCB9}"/>
+              <a:t>HOUR</a:t>
+            </a:r>
+          </a:p>
+        </p:txBody>
+      </p:sp>
+      <p:sp>
+        <p:nvSpPr>
+          <p:cNvPr id="46" name="Rectangle 45">
+            <a:extLst>
+              <a:ext uri="{FF2B5EF4-FFF2-40B4-BE49-F238E27FC236}">
+                <a16:creationId xmlns:a16="http://schemas.microsoft.com/office/drawing/2014/main" id="{797DF7D6-1952-7008-10C6-C4D16AC97744}"/>
               </a:ext>
             </a:extLst>
           </p:cNvPr>
@@ -4263,8 +4780,8 @@
         </p:nvSpPr>
         <p:spPr>
           <a:xfrm>
-            <a:off x="9846310" y="2726529"/>
-            <a:ext cx="1134622" cy="220717"/>
+            <a:off x="9237063" y="3113504"/>
+            <a:ext cx="634647" cy="220717"/>
           </a:xfrm>
           <a:prstGeom prst="rect">
             <a:avLst/>
@@ -4272,15 +4789,15 @@
         </p:spPr>
         <p:style>
           <a:lnRef idx="2">
-            <a:schemeClr val="accent5">
+            <a:schemeClr val="accent1">
               <a:shade val="50000"/>
             </a:schemeClr>
           </a:lnRef>
           <a:fillRef idx="1">
-            <a:schemeClr val="accent5"/>
+            <a:schemeClr val="accent1"/>
           </a:fillRef>
           <a:effectRef idx="0">
-            <a:schemeClr val="accent5"/>
+            <a:schemeClr val="accent1"/>
           </a:effectRef>
           <a:fontRef idx="minor">
             <a:schemeClr val="lt1"/>
@@ -4293,17 +4810,17 @@
             <a:pPr algn="ctr"/>
             <a:r>
               <a:rPr lang="en-US" sz="1400" dirty="0"/>
-              <a:t>WEEK</a:t>
-            </a:r>
-          </a:p>
-        </p:txBody>
-      </p:sp>
-      <p:sp>
-        <p:nvSpPr>
-          <p:cNvPr id="30" name="TextBox 29">
-            <a:extLst>
-              <a:ext uri="{FF2B5EF4-FFF2-40B4-BE49-F238E27FC236}">
-                <a16:creationId xmlns:a16="http://schemas.microsoft.com/office/drawing/2014/main" id="{00F8BE25-65E3-F59C-7263-FB59C0D33720}"/>
+              <a:t>HOUR</a:t>
+            </a:r>
+          </a:p>
+        </p:txBody>
+      </p:sp>
+      <p:sp>
+        <p:nvSpPr>
+          <p:cNvPr id="47" name="TextBox 46">
+            <a:extLst>
+              <a:ext uri="{FF2B5EF4-FFF2-40B4-BE49-F238E27FC236}">
+                <a16:creationId xmlns:a16="http://schemas.microsoft.com/office/drawing/2014/main" id="{884E4A73-2D1B-88CF-DA0F-95CE42E10361}"/>
               </a:ext>
             </a:extLst>
           </p:cNvPr>
@@ -4312,7 +4829,7 @@
         </p:nvSpPr>
         <p:spPr>
           <a:xfrm>
-            <a:off x="10980933" y="2577914"/>
+            <a:off x="7571763" y="2964889"/>
             <a:ext cx="343364" cy="369332"/>
           </a:xfrm>
           <a:prstGeom prst="rect">
@@ -4330,139 +4847,6 @@
             <a:r>
               <a:rPr lang="en-US" dirty="0"/>
               <a:t>…</a:t>
-            </a:r>
-          </a:p>
-        </p:txBody>
-      </p:sp>
-      <p:sp>
-        <p:nvSpPr>
-          <p:cNvPr id="31" name="Rectangle 30">
-            <a:extLst>
-              <a:ext uri="{FF2B5EF4-FFF2-40B4-BE49-F238E27FC236}">
-                <a16:creationId xmlns:a16="http://schemas.microsoft.com/office/drawing/2014/main" id="{A21EFC8E-2DFF-0413-0E47-2454B24D29E3}"/>
-              </a:ext>
-            </a:extLst>
-          </p:cNvPr>
-          <p:cNvSpPr/>
-          <p:nvPr/>
-        </p:nvSpPr>
-        <p:spPr>
-          <a:xfrm>
-            <a:off x="9272250" y="3436650"/>
-            <a:ext cx="1220490" cy="220717"/>
-          </a:xfrm>
-          <a:prstGeom prst="rect">
-            <a:avLst/>
-          </a:prstGeom>
-        </p:spPr>
-        <p:style>
-          <a:lnRef idx="2">
-            <a:schemeClr val="accent6">
-              <a:shade val="50000"/>
-            </a:schemeClr>
-          </a:lnRef>
-          <a:fillRef idx="1">
-            <a:schemeClr val="accent6"/>
-          </a:fillRef>
-          <a:effectRef idx="0">
-            <a:schemeClr val="accent6"/>
-          </a:effectRef>
-          <a:fontRef idx="minor">
-            <a:schemeClr val="lt1"/>
-          </a:fontRef>
-        </p:style>
-        <p:txBody>
-          <a:bodyPr rtlCol="0" anchor="ctr"/>
-          <a:lstStyle/>
-          <a:p>
-            <a:pPr algn="ctr"/>
-            <a:r>
-              <a:rPr lang="en-US" sz="1400" dirty="0"/>
-              <a:t>GAME</a:t>
-            </a:r>
-          </a:p>
-        </p:txBody>
-      </p:sp>
-      <p:sp>
-        <p:nvSpPr>
-          <p:cNvPr id="32" name="Rectangle 31">
-            <a:extLst>
-              <a:ext uri="{FF2B5EF4-FFF2-40B4-BE49-F238E27FC236}">
-                <a16:creationId xmlns:a16="http://schemas.microsoft.com/office/drawing/2014/main" id="{5B440919-1DFC-A6D6-42C9-9E8E92BF7FA9}"/>
-              </a:ext>
-            </a:extLst>
-          </p:cNvPr>
-          <p:cNvSpPr/>
-          <p:nvPr/>
-        </p:nvSpPr>
-        <p:spPr>
-          <a:xfrm>
-            <a:off x="5412720" y="3079695"/>
-            <a:ext cx="1734840" cy="220717"/>
-          </a:xfrm>
-          <a:prstGeom prst="rect">
-            <a:avLst/>
-          </a:prstGeom>
-        </p:spPr>
-        <p:style>
-          <a:lnRef idx="2">
-            <a:schemeClr val="accent4">
-              <a:shade val="50000"/>
-            </a:schemeClr>
-          </a:lnRef>
-          <a:fillRef idx="1">
-            <a:schemeClr val="accent4"/>
-          </a:fillRef>
-          <a:effectRef idx="0">
-            <a:schemeClr val="accent4"/>
-          </a:effectRef>
-          <a:fontRef idx="minor">
-            <a:schemeClr val="lt1"/>
-          </a:fontRef>
-        </p:style>
-        <p:txBody>
-          <a:bodyPr rtlCol="0" anchor="ctr"/>
-          <a:lstStyle/>
-          <a:p>
-            <a:pPr algn="ctr"/>
-            <a:r>
-              <a:rPr lang="en-US" sz="1400" dirty="0"/>
-              <a:t>SESSION</a:t>
-            </a:r>
-          </a:p>
-        </p:txBody>
-      </p:sp>
-      <p:sp>
-        <p:nvSpPr>
-          <p:cNvPr id="33" name="TextBox 32">
-            <a:extLst>
-              <a:ext uri="{FF2B5EF4-FFF2-40B4-BE49-F238E27FC236}">
-                <a16:creationId xmlns:a16="http://schemas.microsoft.com/office/drawing/2014/main" id="{CD9F7BAB-D0EF-A209-92A8-628127BEB7C6}"/>
-              </a:ext>
-            </a:extLst>
-          </p:cNvPr>
-          <p:cNvSpPr txBox="1"/>
-          <p:nvPr/>
-        </p:nvSpPr>
-        <p:spPr>
-          <a:xfrm>
-            <a:off x="4847164" y="529627"/>
-            <a:ext cx="2497671" cy="369332"/>
-          </a:xfrm>
-          <a:prstGeom prst="rect">
-            <a:avLst/>
-          </a:prstGeom>
-          <a:noFill/>
-        </p:spPr>
-        <p:txBody>
-          <a:bodyPr wrap="none" rtlCol="0">
-            <a:spAutoFit/>
-          </a:bodyPr>
-          <a:lstStyle/>
-          <a:p>
-            <a:r>
-              <a:rPr lang="en-US" dirty="0"/>
-              <a:t>Badge Timeline - Periods</a:t>
             </a:r>
           </a:p>
         </p:txBody>
